--- a/발표 PPT.pptx
+++ b/발표 PPT.pptx
@@ -274,7 +274,7 @@
           <a:p>
             <a:fld id="{881E6E86-9C0A-4A2D-8618-9781F5C54702}" type="datetimeFigureOut">
               <a:rPr kumimoji="1" lang="ja-JP" altLang="en-US" smtClean="0"/>
-              <a:t>2021/6/11</a:t>
+              <a:t>2021/6/14</a:t>
             </a:fld>
             <a:endParaRPr kumimoji="1" lang="ja-JP" altLang="en-US"/>
           </a:p>
@@ -474,7 +474,7 @@
           <a:p>
             <a:fld id="{881E6E86-9C0A-4A2D-8618-9781F5C54702}" type="datetimeFigureOut">
               <a:rPr kumimoji="1" lang="ja-JP" altLang="en-US" smtClean="0"/>
-              <a:t>2021/6/11</a:t>
+              <a:t>2021/6/14</a:t>
             </a:fld>
             <a:endParaRPr kumimoji="1" lang="ja-JP" altLang="en-US"/>
           </a:p>
@@ -684,7 +684,7 @@
           <a:p>
             <a:fld id="{881E6E86-9C0A-4A2D-8618-9781F5C54702}" type="datetimeFigureOut">
               <a:rPr kumimoji="1" lang="ja-JP" altLang="en-US" smtClean="0"/>
-              <a:t>2021/6/11</a:t>
+              <a:t>2021/6/14</a:t>
             </a:fld>
             <a:endParaRPr kumimoji="1" lang="ja-JP" altLang="en-US"/>
           </a:p>
@@ -884,7 +884,7 @@
           <a:p>
             <a:fld id="{881E6E86-9C0A-4A2D-8618-9781F5C54702}" type="datetimeFigureOut">
               <a:rPr kumimoji="1" lang="ja-JP" altLang="en-US" smtClean="0"/>
-              <a:t>2021/6/11</a:t>
+              <a:t>2021/6/14</a:t>
             </a:fld>
             <a:endParaRPr kumimoji="1" lang="ja-JP" altLang="en-US"/>
           </a:p>
@@ -1129,7 +1129,7 @@
           <a:p>
             <a:fld id="{881E6E86-9C0A-4A2D-8618-9781F5C54702}" type="datetimeFigureOut">
               <a:rPr kumimoji="1" lang="ja-JP" altLang="en-US" smtClean="0"/>
-              <a:t>2021/6/11</a:t>
+              <a:t>2021/6/14</a:t>
             </a:fld>
             <a:endParaRPr kumimoji="1" lang="ja-JP" altLang="en-US"/>
           </a:p>
@@ -1422,7 +1422,7 @@
           <a:p>
             <a:fld id="{881E6E86-9C0A-4A2D-8618-9781F5C54702}" type="datetimeFigureOut">
               <a:rPr kumimoji="1" lang="ja-JP" altLang="en-US" smtClean="0"/>
-              <a:t>2021/6/11</a:t>
+              <a:t>2021/6/14</a:t>
             </a:fld>
             <a:endParaRPr kumimoji="1" lang="ja-JP" altLang="en-US"/>
           </a:p>
@@ -1850,7 +1850,7 @@
           <a:p>
             <a:fld id="{881E6E86-9C0A-4A2D-8618-9781F5C54702}" type="datetimeFigureOut">
               <a:rPr kumimoji="1" lang="ja-JP" altLang="en-US" smtClean="0"/>
-              <a:t>2021/6/11</a:t>
+              <a:t>2021/6/14</a:t>
             </a:fld>
             <a:endParaRPr kumimoji="1" lang="ja-JP" altLang="en-US"/>
           </a:p>
@@ -1967,7 +1967,7 @@
           <a:p>
             <a:fld id="{881E6E86-9C0A-4A2D-8618-9781F5C54702}" type="datetimeFigureOut">
               <a:rPr kumimoji="1" lang="ja-JP" altLang="en-US" smtClean="0"/>
-              <a:t>2021/6/11</a:t>
+              <a:t>2021/6/14</a:t>
             </a:fld>
             <a:endParaRPr kumimoji="1" lang="ja-JP" altLang="en-US"/>
           </a:p>
@@ -2062,7 +2062,7 @@
           <a:p>
             <a:fld id="{881E6E86-9C0A-4A2D-8618-9781F5C54702}" type="datetimeFigureOut">
               <a:rPr kumimoji="1" lang="ja-JP" altLang="en-US" smtClean="0"/>
-              <a:t>2021/6/11</a:t>
+              <a:t>2021/6/14</a:t>
             </a:fld>
             <a:endParaRPr kumimoji="1" lang="ja-JP" altLang="en-US"/>
           </a:p>
@@ -2369,7 +2369,7 @@
           <a:p>
             <a:fld id="{881E6E86-9C0A-4A2D-8618-9781F5C54702}" type="datetimeFigureOut">
               <a:rPr kumimoji="1" lang="ja-JP" altLang="en-US" smtClean="0"/>
-              <a:t>2021/6/11</a:t>
+              <a:t>2021/6/14</a:t>
             </a:fld>
             <a:endParaRPr kumimoji="1" lang="ja-JP" altLang="en-US"/>
           </a:p>
@@ -2621,7 +2621,7 @@
           <a:p>
             <a:fld id="{881E6E86-9C0A-4A2D-8618-9781F5C54702}" type="datetimeFigureOut">
               <a:rPr kumimoji="1" lang="ja-JP" altLang="en-US" smtClean="0"/>
-              <a:t>2021/6/11</a:t>
+              <a:t>2021/6/14</a:t>
             </a:fld>
             <a:endParaRPr kumimoji="1" lang="ja-JP" altLang="en-US"/>
           </a:p>
@@ -2864,7 +2864,7 @@
           <a:p>
             <a:fld id="{881E6E86-9C0A-4A2D-8618-9781F5C54702}" type="datetimeFigureOut">
               <a:rPr kumimoji="1" lang="ja-JP" altLang="en-US" smtClean="0"/>
-              <a:t>2021/6/11</a:t>
+              <a:t>2021/6/14</a:t>
             </a:fld>
             <a:endParaRPr kumimoji="1" lang="ja-JP" altLang="en-US"/>
           </a:p>
@@ -3479,7 +3479,7 @@
     <a:masterClrMapping/>
   </p:clrMapOvr>
   <mc:AlternateContent xmlns:mc="http://schemas.openxmlformats.org/markup-compatibility/2006">
-    <mc:Choice xmlns:p159="http://schemas.microsoft.com/office/powerpoint/2015/09/main" xmlns="" Requires="p159">
+    <mc:Choice xmlns="" xmlns:p159="http://schemas.microsoft.com/office/powerpoint/2015/09/main" Requires="p159">
       <p:transition xmlns:p14="http://schemas.microsoft.com/office/powerpoint/2010/main" spd="slow" p14:dur="2000">
         <p159:morph option="byObject"/>
       </p:transition>
@@ -3812,7 +3812,7 @@
     <a:masterClrMapping/>
   </p:clrMapOvr>
   <mc:AlternateContent xmlns:mc="http://schemas.openxmlformats.org/markup-compatibility/2006">
-    <mc:Choice xmlns:p159="http://schemas.microsoft.com/office/powerpoint/2015/09/main" xmlns="" Requires="p159">
+    <mc:Choice xmlns="" xmlns:p159="http://schemas.microsoft.com/office/powerpoint/2015/09/main" Requires="p159">
       <p:transition xmlns:p14="http://schemas.microsoft.com/office/powerpoint/2010/main" spd="slow" p14:dur="2000">
         <p159:morph option="byObject"/>
       </p:transition>
@@ -4192,7 +4192,7 @@
     <a:masterClrMapping/>
   </p:clrMapOvr>
   <mc:AlternateContent xmlns:mc="http://schemas.openxmlformats.org/markup-compatibility/2006">
-    <mc:Choice xmlns:p159="http://schemas.microsoft.com/office/powerpoint/2015/09/main" xmlns="" Requires="p159">
+    <mc:Choice xmlns="" xmlns:p159="http://schemas.microsoft.com/office/powerpoint/2015/09/main" Requires="p159">
       <p:transition xmlns:p14="http://schemas.microsoft.com/office/powerpoint/2010/main" spd="slow" p14:dur="2000">
         <p159:morph option="byObject"/>
       </p:transition>
@@ -4596,7 +4596,7 @@
     <a:masterClrMapping/>
   </p:clrMapOvr>
   <mc:AlternateContent xmlns:mc="http://schemas.openxmlformats.org/markup-compatibility/2006">
-    <mc:Choice xmlns:p159="http://schemas.microsoft.com/office/powerpoint/2015/09/main" xmlns="" Requires="p159">
+    <mc:Choice xmlns="" xmlns:p159="http://schemas.microsoft.com/office/powerpoint/2015/09/main" Requires="p159">
       <p:transition xmlns:p14="http://schemas.microsoft.com/office/powerpoint/2010/main" spd="slow" p14:dur="2000">
         <p159:morph option="byObject"/>
       </p:transition>
@@ -5115,7 +5115,7 @@
     <a:masterClrMapping/>
   </p:clrMapOvr>
   <mc:AlternateContent xmlns:mc="http://schemas.openxmlformats.org/markup-compatibility/2006">
-    <mc:Choice xmlns:p159="http://schemas.microsoft.com/office/powerpoint/2015/09/main" xmlns="" Requires="p159">
+    <mc:Choice xmlns="" xmlns:p159="http://schemas.microsoft.com/office/powerpoint/2015/09/main" Requires="p159">
       <p:transition xmlns:p14="http://schemas.microsoft.com/office/powerpoint/2010/main" spd="slow" p14:dur="2000">
         <p159:morph option="byObject"/>
       </p:transition>
@@ -5504,7 +5504,7 @@
     <a:masterClrMapping/>
   </p:clrMapOvr>
   <mc:AlternateContent xmlns:mc="http://schemas.openxmlformats.org/markup-compatibility/2006">
-    <mc:Choice xmlns:p159="http://schemas.microsoft.com/office/powerpoint/2015/09/main" xmlns="" Requires="p159">
+    <mc:Choice xmlns="" xmlns:p159="http://schemas.microsoft.com/office/powerpoint/2015/09/main" Requires="p159">
       <p:transition xmlns:p14="http://schemas.microsoft.com/office/powerpoint/2010/main" spd="slow" p14:dur="2000">
         <p159:morph option="byObject"/>
       </p:transition>
@@ -5908,7 +5908,7 @@
     <a:masterClrMapping/>
   </p:clrMapOvr>
   <mc:AlternateContent xmlns:mc="http://schemas.openxmlformats.org/markup-compatibility/2006">
-    <mc:Choice xmlns:p159="http://schemas.microsoft.com/office/powerpoint/2015/09/main" xmlns="" Requires="p159">
+    <mc:Choice xmlns="" xmlns:p159="http://schemas.microsoft.com/office/powerpoint/2015/09/main" Requires="p159">
       <p:transition xmlns:p14="http://schemas.microsoft.com/office/powerpoint/2010/main" spd="slow" p14:dur="2000">
         <p159:morph option="byObject"/>
       </p:transition>
@@ -6352,7 +6352,7 @@
     <a:masterClrMapping/>
   </p:clrMapOvr>
   <mc:AlternateContent xmlns:mc="http://schemas.openxmlformats.org/markup-compatibility/2006">
-    <mc:Choice xmlns:p159="http://schemas.microsoft.com/office/powerpoint/2015/09/main" xmlns="" Requires="p159">
+    <mc:Choice xmlns="" xmlns:p159="http://schemas.microsoft.com/office/powerpoint/2015/09/main" Requires="p159">
       <p:transition xmlns:p14="http://schemas.microsoft.com/office/powerpoint/2010/main" spd="slow" p14:dur="2000">
         <p159:morph option="byObject"/>
       </p:transition>
@@ -8569,7 +8569,7 @@
     <a:masterClrMapping/>
   </p:clrMapOvr>
   <mc:AlternateContent xmlns:mc="http://schemas.openxmlformats.org/markup-compatibility/2006">
-    <mc:Choice xmlns:p159="http://schemas.microsoft.com/office/powerpoint/2015/09/main" xmlns="" Requires="p159">
+    <mc:Choice xmlns="" xmlns:p159="http://schemas.microsoft.com/office/powerpoint/2015/09/main" Requires="p159">
       <p:transition xmlns:p14="http://schemas.microsoft.com/office/powerpoint/2010/main" spd="slow" p14:dur="2000">
         <p159:morph option="byObject"/>
       </p:transition>
@@ -9953,11 +9953,7 @@
             </a:r>
             <a:r>
               <a:rPr lang="ko-KR" altLang="en-US" dirty="0"/>
-              <a:t>작성 시 </a:t>
-            </a:r>
-            <a:r>
-              <a:rPr lang="ko-KR" altLang="en-US" dirty="0"/>
-              <a:t>평</a:t>
+              <a:t>작성 시 평</a:t>
             </a:r>
             <a:r>
               <a:rPr lang="ko-KR" altLang="en-US" dirty="0" smtClean="0"/>
@@ -10323,7 +10319,7 @@
     <a:masterClrMapping/>
   </p:clrMapOvr>
   <mc:AlternateContent xmlns:mc="http://schemas.openxmlformats.org/markup-compatibility/2006">
-    <mc:Choice xmlns:p159="http://schemas.microsoft.com/office/powerpoint/2015/09/main" xmlns="" Requires="p159">
+    <mc:Choice xmlns="" xmlns:p159="http://schemas.microsoft.com/office/powerpoint/2015/09/main" Requires="p159">
       <p:transition xmlns:p14="http://schemas.microsoft.com/office/powerpoint/2010/main" spd="slow" p14:dur="2000">
         <p159:morph option="byObject"/>
       </p:transition>
@@ -10467,7 +10463,7 @@
     <a:masterClrMapping/>
   </p:clrMapOvr>
   <mc:AlternateContent xmlns:mc="http://schemas.openxmlformats.org/markup-compatibility/2006">
-    <mc:Choice xmlns:p159="http://schemas.microsoft.com/office/powerpoint/2015/09/main" xmlns="" Requires="p159">
+    <mc:Choice xmlns="" xmlns:p159="http://schemas.microsoft.com/office/powerpoint/2015/09/main" Requires="p159">
       <p:transition xmlns:p14="http://schemas.microsoft.com/office/powerpoint/2010/main" spd="slow" p14:dur="2000">
         <p159:morph option="byObject"/>
       </p:transition>
@@ -10800,7 +10796,7 @@
     <a:masterClrMapping/>
   </p:clrMapOvr>
   <mc:AlternateContent xmlns:mc="http://schemas.openxmlformats.org/markup-compatibility/2006">
-    <mc:Choice xmlns:p159="http://schemas.microsoft.com/office/powerpoint/2015/09/main" xmlns="" Requires="p159">
+    <mc:Choice xmlns="" xmlns:p159="http://schemas.microsoft.com/office/powerpoint/2015/09/main" Requires="p159">
       <p:transition xmlns:p14="http://schemas.microsoft.com/office/powerpoint/2010/main" spd="slow" p14:dur="2000">
         <p159:morph option="byObject"/>
       </p:transition>
@@ -13298,7 +13294,7 @@
     <a:masterClrMapping/>
   </p:clrMapOvr>
   <mc:AlternateContent xmlns:mc="http://schemas.openxmlformats.org/markup-compatibility/2006">
-    <mc:Choice xmlns:p159="http://schemas.microsoft.com/office/powerpoint/2015/09/main" xmlns="" Requires="p159">
+    <mc:Choice xmlns="" xmlns:p159="http://schemas.microsoft.com/office/powerpoint/2015/09/main" Requires="p159">
       <p:transition xmlns:p14="http://schemas.microsoft.com/office/powerpoint/2010/main" spd="slow" p14:dur="2000">
         <p159:morph option="byObject"/>
       </p:transition>
@@ -35011,7 +35007,7 @@
     <a:masterClrMapping/>
   </p:clrMapOvr>
   <mc:AlternateContent xmlns:mc="http://schemas.openxmlformats.org/markup-compatibility/2006">
-    <mc:Choice xmlns:p159="http://schemas.microsoft.com/office/powerpoint/2015/09/main" xmlns="" Requires="p159">
+    <mc:Choice xmlns="" xmlns:p159="http://schemas.microsoft.com/office/powerpoint/2015/09/main" Requires="p159">
       <p:transition xmlns:p14="http://schemas.microsoft.com/office/powerpoint/2010/main" spd="slow" p14:dur="2000">
         <p159:morph option="byObject"/>
       </p:transition>
@@ -35344,7 +35340,7 @@
     <a:masterClrMapping/>
   </p:clrMapOvr>
   <mc:AlternateContent xmlns:mc="http://schemas.openxmlformats.org/markup-compatibility/2006">
-    <mc:Choice xmlns:p159="http://schemas.microsoft.com/office/powerpoint/2015/09/main" xmlns="" Requires="p159">
+    <mc:Choice xmlns="" xmlns:p159="http://schemas.microsoft.com/office/powerpoint/2015/09/main" Requires="p159">
       <p:transition xmlns:p14="http://schemas.microsoft.com/office/powerpoint/2010/main" spd="slow" p14:dur="2000">
         <p159:morph option="byObject"/>
       </p:transition>
@@ -35853,7 +35849,7 @@
         <p:spPr>
           <a:xfrm>
             <a:off x="1452921" y="2083835"/>
-            <a:ext cx="4615036" cy="3046988"/>
+            <a:ext cx="4615036" cy="3785652"/>
           </a:xfrm>
           <a:prstGeom prst="rect">
             <a:avLst/>
@@ -35911,27 +35907,7 @@
                   </a:schemeClr>
                 </a:solidFill>
               </a:rPr>
-              <a:t> 경우 내부에 설치된 곳이 많고 </a:t>
-            </a:r>
-            <a:r>
-              <a:rPr lang="ko-KR" altLang="en-US" sz="1600" spc="300" dirty="0" smtClean="0">
-                <a:solidFill>
-                  <a:schemeClr val="accent4">
-                    <a:lumMod val="50000"/>
-                  </a:schemeClr>
-                </a:solidFill>
-              </a:rPr>
-              <a:t>주문 이후 </a:t>
-            </a:r>
-            <a:r>
-              <a:rPr lang="ko-KR" altLang="en-US" sz="1600" spc="300" dirty="0" smtClean="0">
-                <a:solidFill>
-                  <a:schemeClr val="accent4">
-                    <a:lumMod val="50000"/>
-                  </a:schemeClr>
-                </a:solidFill>
-              </a:rPr>
-              <a:t>기다리는 시간이 존재하여 여러 불편함이 있습니다</a:t>
+              <a:t> 경우 내부에 설치된 곳이 많고 주문 이후 기다리는 시간이 존재하여 여러 불편함이 있습니다</a:t>
             </a:r>
             <a:r>
               <a:rPr lang="en-US" altLang="ko-KR" sz="1600" spc="300" dirty="0" smtClean="0">
@@ -36001,6 +35977,55 @@
                 <a:ea typeface="+mj-ea"/>
               </a:rPr>
               <a:t> 혹은 음식을 기다리는 시간으로 인하여 식사를 급하게 하거나 거르는 경우가 있습니다</a:t>
+            </a:r>
+            <a:r>
+              <a:rPr lang="en-US" altLang="ko-KR" sz="1600" dirty="0" smtClean="0">
+                <a:solidFill>
+                  <a:srgbClr val="665741"/>
+                </a:solidFill>
+                <a:latin typeface="+mj-ea"/>
+                <a:ea typeface="+mj-ea"/>
+              </a:rPr>
+              <a:t>.</a:t>
+            </a:r>
+          </a:p>
+          <a:p>
+            <a:pPr marL="285750" indent="-285750" algn="just">
+              <a:lnSpc>
+                <a:spcPct val="150000"/>
+              </a:lnSpc>
+              <a:buFont typeface="Arial" panose="020B0604020202020204" pitchFamily="34" charset="0"/>
+              <a:buChar char="•"/>
+            </a:pPr>
+            <a:r>
+              <a:rPr lang="ko-KR" altLang="en-US" sz="1600" dirty="0" smtClean="0">
+                <a:solidFill>
+                  <a:srgbClr val="665741"/>
+                </a:solidFill>
+                <a:latin typeface="+mj-ea"/>
+                <a:ea typeface="+mj-ea"/>
+              </a:rPr>
+              <a:t>일부 계층의 </a:t>
+            </a:r>
+            <a:r>
+              <a:rPr lang="ko-KR" altLang="en-US" sz="1600" dirty="0" err="1" smtClean="0">
+                <a:solidFill>
+                  <a:srgbClr val="665741"/>
+                </a:solidFill>
+                <a:latin typeface="+mj-ea"/>
+                <a:ea typeface="+mj-ea"/>
+              </a:rPr>
+              <a:t>키오스크</a:t>
+            </a:r>
+            <a:r>
+              <a:rPr lang="ko-KR" altLang="en-US" sz="1600" dirty="0" smtClean="0">
+                <a:solidFill>
+                  <a:srgbClr val="665741"/>
+                </a:solidFill>
+                <a:latin typeface="+mj-ea"/>
+                <a:ea typeface="+mj-ea"/>
+              </a:rPr>
+              <a:t> 사용 시 손이 닿지 않는 경우를 보았습니다</a:t>
             </a:r>
             <a:r>
               <a:rPr lang="en-US" altLang="ko-KR" sz="1600" dirty="0" smtClean="0">
@@ -36137,13 +36162,6 @@
               </a:rPr>
               <a:t>. </a:t>
             </a:r>
-            <a:endParaRPr lang="en-US" altLang="ko-KR" sz="1600" spc="300" dirty="0" smtClean="0">
-              <a:solidFill>
-                <a:schemeClr val="accent4">
-                  <a:lumMod val="50000"/>
-                </a:schemeClr>
-              </a:solidFill>
-            </a:endParaRPr>
           </a:p>
           <a:p>
             <a:pPr marL="285750" indent="-285750" algn="just">
@@ -36173,13 +36191,6 @@
               </a:rPr>
               <a:t>.</a:t>
             </a:r>
-            <a:endParaRPr lang="en-US" altLang="ko-KR" sz="1600" spc="300" dirty="0" smtClean="0">
-              <a:solidFill>
-                <a:schemeClr val="accent4">
-                  <a:lumMod val="50000"/>
-                </a:schemeClr>
-              </a:solidFill>
-            </a:endParaRPr>
           </a:p>
         </p:txBody>
       </p:sp>
@@ -36242,7 +36253,7 @@
     <a:masterClrMapping/>
   </p:clrMapOvr>
   <mc:AlternateContent xmlns:mc="http://schemas.openxmlformats.org/markup-compatibility/2006">
-    <mc:Choice xmlns:p159="http://schemas.microsoft.com/office/powerpoint/2015/09/main" xmlns="" Requires="p159">
+    <mc:Choice xmlns="" xmlns:p159="http://schemas.microsoft.com/office/powerpoint/2015/09/main" Requires="p159">
       <p:transition xmlns:p14="http://schemas.microsoft.com/office/powerpoint/2010/main" spd="slow" p14:dur="2000">
         <p159:morph option="byObject"/>
       </p:transition>
@@ -36676,18 +36687,7 @@
                   </a:prstClr>
                 </a:solidFill>
               </a:rPr>
-              <a:t>매장의 경우 사람이 밀집 되는 시간을 앱을 통해 미리 주문을 </a:t>
-            </a:r>
-            <a:r>
-              <a:rPr kumimoji="0" lang="ko-KR" altLang="en-US" sz="2800" kern="0" dirty="0" smtClean="0">
-                <a:solidFill>
-                  <a:prstClr val="black">
-                    <a:lumMod val="75000"/>
-                    <a:lumOff val="25000"/>
-                  </a:prstClr>
-                </a:solidFill>
-              </a:rPr>
-              <a:t>받음으로써 앱 사용 전 보다 더 빠르게 준비하여 회전율을 높일 수 있으며  의사소통으로 인한 손님과의 마찰을 줄일 수 있습니다</a:t>
+              <a:t>매장의 경우 사람이 밀집 되는 시간을 앱을 통해 미리 주문을 받음으로써 앱 사용 전 보다 더 빠르게 준비하여 회전율을 높일 수 있으며  의사소통으로 인한 손님과의 마찰을 줄일 수 있습니다</a:t>
             </a:r>
             <a:r>
               <a:rPr kumimoji="0" lang="en-US" altLang="ko-KR" sz="2800" kern="0" dirty="0" smtClean="0">
@@ -36720,7 +36720,7 @@
     <a:masterClrMapping/>
   </p:clrMapOvr>
   <mc:AlternateContent xmlns:mc="http://schemas.openxmlformats.org/markup-compatibility/2006">
-    <mc:Choice xmlns:p159="http://schemas.microsoft.com/office/powerpoint/2015/09/main" xmlns="" Requires="p159">
+    <mc:Choice xmlns="" xmlns:p159="http://schemas.microsoft.com/office/powerpoint/2015/09/main" Requires="p159">
       <p:transition xmlns:p14="http://schemas.microsoft.com/office/powerpoint/2010/main" spd="slow" p14:dur="2000">
         <p159:morph option="byObject"/>
       </p:transition>
@@ -37607,7 +37607,7 @@
     <a:masterClrMapping/>
   </p:clrMapOvr>
   <mc:AlternateContent xmlns:mc="http://schemas.openxmlformats.org/markup-compatibility/2006">
-    <mc:Choice xmlns:p159="http://schemas.microsoft.com/office/powerpoint/2015/09/main" xmlns="" Requires="p159">
+    <mc:Choice xmlns="" xmlns:p159="http://schemas.microsoft.com/office/powerpoint/2015/09/main" Requires="p159">
       <p:transition xmlns:p14="http://schemas.microsoft.com/office/powerpoint/2010/main" spd="slow" p14:dur="2000">
         <p159:morph option="byObject"/>
       </p:transition>
